--- a/Solution d'investissement présentation.pptx
+++ b/Solution d'investissement présentation.pptx
@@ -139,14 +139,6 @@
 <p188:authorLst xmlns:a="http://schemas.openxmlformats.org/drawingml/2006/main" xmlns:r="http://schemas.openxmlformats.org/officeDocument/2006/relationships" xmlns:p188="http://schemas.microsoft.com/office/powerpoint/2018/8/main">
   <p188:author id="{00000000-0000-0000-0000-000000000000}" name="Author" initials="A" userId="Author" providerId="AD"/>
 </p188:authorLst>
-</file>
-
-<file path=ppt/revisionInfo.xml><?xml version="1.0" encoding="utf-8"?>
-<p1510:revInfo xmlns:a="http://schemas.openxmlformats.org/drawingml/2006/main" xmlns:r="http://schemas.openxmlformats.org/officeDocument/2006/relationships" xmlns:p1510="http://schemas.microsoft.com/office/powerpoint/2015/10/main">
-  <p1510:revLst>
-    <p1510:client id="{EC66935E-B412-4FB4-9190-6F2686A2CA9E}" v="42" dt="2025-03-03T18:54:03.159"/>
-  </p1510:revLst>
-</p1510:revInfo>
 </file>
 
 <file path=ppt/handoutMasters/handoutMaster1.xml><?xml version="1.0" encoding="utf-8"?>
@@ -8174,10 +8166,10 @@
       </p:sp>
       <p:pic>
         <p:nvPicPr>
-          <p:cNvPr id="6" name="Image 5" descr="Une image contenant texte, diagramme, capture d’écran, Tracé&#10;&#10;Le contenu généré par l’IA peut être incorrect.">
-            <a:extLst>
-              <a:ext uri="{FF2B5EF4-FFF2-40B4-BE49-F238E27FC236}">
-                <a16:creationId xmlns:a16="http://schemas.microsoft.com/office/drawing/2014/main" id="{7E1E6798-1E55-C894-CA51-9BF74278F23B}"/>
+          <p:cNvPr id="8" name="Image 7" descr="Une image contenant texte, diagramme, Tracé, ligne&#10;&#10;Le contenu généré par l’IA peut être incorrect.">
+            <a:extLst>
+              <a:ext uri="{FF2B5EF4-FFF2-40B4-BE49-F238E27FC236}">
+                <a16:creationId xmlns:a16="http://schemas.microsoft.com/office/drawing/2014/main" id="{7A8EC7B9-1C79-17D2-4737-F042C0CA1177}"/>
               </a:ext>
             </a:extLst>
           </p:cNvPr>
@@ -8188,13 +8180,14 @@
         </p:nvPicPr>
         <p:blipFill>
           <a:blip r:embed="rId3"/>
-          <a:srcRect t="12457" b="2947"/>
-          <a:stretch/>
+          <a:stretch>
+            <a:fillRect/>
+          </a:stretch>
         </p:blipFill>
         <p:spPr>
           <a:xfrm>
-            <a:off x="3123446" y="3897338"/>
-            <a:ext cx="6401315" cy="2910691"/>
+            <a:off x="3123446" y="895342"/>
+            <a:ext cx="6401316" cy="3001996"/>
           </a:xfrm>
           <a:prstGeom prst="rect">
             <a:avLst/>
@@ -8203,10 +8196,10 @@
       </p:pic>
       <p:pic>
         <p:nvPicPr>
-          <p:cNvPr id="8" name="Image 7" descr="Une image contenant texte, diagramme, Tracé, ligne&#10;&#10;Le contenu généré par l’IA peut être incorrect.">
-            <a:extLst>
-              <a:ext uri="{FF2B5EF4-FFF2-40B4-BE49-F238E27FC236}">
-                <a16:creationId xmlns:a16="http://schemas.microsoft.com/office/drawing/2014/main" id="{7A8EC7B9-1C79-17D2-4737-F042C0CA1177}"/>
+          <p:cNvPr id="10" name="Image 9" descr="Une image contenant texte, diagramme, capture d’écran, Tracé&#10;&#10;Le contenu généré par l’IA peut être incorrect.">
+            <a:extLst>
+              <a:ext uri="{FF2B5EF4-FFF2-40B4-BE49-F238E27FC236}">
+                <a16:creationId xmlns:a16="http://schemas.microsoft.com/office/drawing/2014/main" id="{CC479EEE-95D6-D37A-6714-B539C0F99563}"/>
               </a:ext>
             </a:extLst>
           </p:cNvPr>
@@ -8217,13 +8210,12 @@
         </p:nvPicPr>
         <p:blipFill>
           <a:blip r:embed="rId4"/>
-          <a:stretch>
-            <a:fillRect/>
-          </a:stretch>
+          <a:srcRect t="12751"/>
+          <a:stretch/>
         </p:blipFill>
         <p:spPr>
           <a:xfrm>
-            <a:off x="3123446" y="895342"/>
+            <a:off x="3123446" y="3856004"/>
             <a:ext cx="6401316" cy="3001996"/>
           </a:xfrm>
           <a:prstGeom prst="rect">
@@ -8345,10 +8337,10 @@
       </p:sp>
       <p:pic>
         <p:nvPicPr>
-          <p:cNvPr id="8" name="Image 7">
-            <a:extLst>
-              <a:ext uri="{FF2B5EF4-FFF2-40B4-BE49-F238E27FC236}">
-                <a16:creationId xmlns:a16="http://schemas.microsoft.com/office/drawing/2014/main" id="{D4B68C36-2AC3-B5DB-1D3E-50E401DCBF44}"/>
+          <p:cNvPr id="14" name="Image 13">
+            <a:extLst>
+              <a:ext uri="{FF2B5EF4-FFF2-40B4-BE49-F238E27FC236}">
+                <a16:creationId xmlns:a16="http://schemas.microsoft.com/office/drawing/2014/main" id="{DBC30667-DDBC-C4BC-D7B9-F97EEE423CC2}"/>
               </a:ext>
             </a:extLst>
           </p:cNvPr>
@@ -8365,38 +8357,8 @@
         </p:blipFill>
         <p:spPr>
           <a:xfrm>
-            <a:off x="2919858" y="1111313"/>
-            <a:ext cx="6576817" cy="5295332"/>
-          </a:xfrm>
-          <a:prstGeom prst="rect">
-            <a:avLst/>
-          </a:prstGeom>
-        </p:spPr>
-      </p:pic>
-      <p:pic>
-        <p:nvPicPr>
-          <p:cNvPr id="12" name="Image 11" descr="Une image contenant texte, diagramme, Tracé, ligne&#10;&#10;Le contenu généré par l’IA peut être incorrect.">
-            <a:extLst>
-              <a:ext uri="{FF2B5EF4-FFF2-40B4-BE49-F238E27FC236}">
-                <a16:creationId xmlns:a16="http://schemas.microsoft.com/office/drawing/2014/main" id="{38943EA2-DA08-6C71-A77B-D604EBB79F34}"/>
-              </a:ext>
-            </a:extLst>
-          </p:cNvPr>
-          <p:cNvPicPr>
-            <a:picLocks noChangeAspect="1"/>
-          </p:cNvPicPr>
-          <p:nvPr/>
-        </p:nvPicPr>
-        <p:blipFill>
-          <a:blip r:embed="rId4"/>
-          <a:stretch>
-            <a:fillRect/>
-          </a:stretch>
-        </p:blipFill>
-        <p:spPr>
-          <a:xfrm>
-            <a:off x="0" y="570186"/>
-            <a:ext cx="12192000" cy="5717627"/>
+            <a:off x="3132499" y="966130"/>
+            <a:ext cx="6832171" cy="5546317"/>
           </a:xfrm>
           <a:prstGeom prst="rect">
             <a:avLst/>

--- a/Solution d'investissement présentation.pptx
+++ b/Solution d'investissement présentation.pptx
@@ -5,10 +5,10 @@
     <p:sldMasterId id="2147483648" r:id="rId4"/>
   </p:sldMasterIdLst>
   <p:notesMasterIdLst>
-    <p:notesMasterId r:id="rId20"/>
+    <p:notesMasterId r:id="rId25"/>
   </p:notesMasterIdLst>
   <p:handoutMasterIdLst>
-    <p:handoutMasterId r:id="rId21"/>
+    <p:handoutMasterId r:id="rId26"/>
   </p:handoutMasterIdLst>
   <p:sldIdLst>
     <p:sldId id="322" r:id="rId5"/>
@@ -26,6 +26,11 @@
     <p:sldId id="334" r:id="rId17"/>
     <p:sldId id="335" r:id="rId18"/>
     <p:sldId id="336" r:id="rId19"/>
+    <p:sldId id="338" r:id="rId20"/>
+    <p:sldId id="339" r:id="rId21"/>
+    <p:sldId id="340" r:id="rId22"/>
+    <p:sldId id="341" r:id="rId23"/>
+    <p:sldId id="342" r:id="rId24"/>
   </p:sldIdLst>
   <p:sldSz cx="12192000" cy="6858000"/>
   <p:notesSz cx="6858000" cy="9144000"/>
@@ -237,7 +242,7 @@
             <a:pPr rtl="0"/>
             <a:fld id="{B045831F-6AD1-4DED-BF09-35BFE3A3C66F}" type="datetime1">
               <a:rPr lang="de-DE" smtClean="0"/>
-              <a:t>03.03.2025</a:t>
+              <a:t>17.03.2025</a:t>
             </a:fld>
             <a:endParaRPr lang="de-DE" dirty="0"/>
           </a:p>
@@ -418,7 +423,7 @@
             <a:fld id="{4EAF0040-DFA1-4580-86F0-5CFB9E4596B0}" type="datetime1">
               <a:rPr lang="de-DE" smtClean="0"/>
               <a:pPr/>
-              <a:t>03.03.2025</a:t>
+              <a:t>17.03.2025</a:t>
             </a:fld>
             <a:endParaRPr lang="de-DE" dirty="0"/>
           </a:p>
@@ -1498,6 +1503,478 @@
 </p:notes>
 </file>
 
+<file path=ppt/notesSlides/notesSlide16.xml><?xml version="1.0" encoding="utf-8"?>
+<p:notes xmlns:a="http://schemas.openxmlformats.org/drawingml/2006/main" xmlns:r="http://schemas.openxmlformats.org/officeDocument/2006/relationships" xmlns:p="http://schemas.openxmlformats.org/presentationml/2006/main">
+  <p:cSld>
+    <p:spTree>
+      <p:nvGrpSpPr>
+        <p:cNvPr id="1" name="">
+          <a:extLst>
+            <a:ext uri="{FF2B5EF4-FFF2-40B4-BE49-F238E27FC236}">
+              <a16:creationId xmlns:a16="http://schemas.microsoft.com/office/drawing/2014/main" id="{01781DAA-3F36-E585-9133-1A8B711301A8}"/>
+            </a:ext>
+          </a:extLst>
+        </p:cNvPr>
+        <p:cNvGrpSpPr/>
+        <p:nvPr/>
+      </p:nvGrpSpPr>
+      <p:grpSpPr>
+        <a:xfrm>
+          <a:off x="0" y="0"/>
+          <a:ext cx="0" cy="0"/>
+          <a:chOff x="0" y="0"/>
+          <a:chExt cx="0" cy="0"/>
+        </a:xfrm>
+      </p:grpSpPr>
+      <p:sp>
+        <p:nvSpPr>
+          <p:cNvPr id="2" name="Folienbildplatzhalter 1">
+            <a:extLst>
+              <a:ext uri="{FF2B5EF4-FFF2-40B4-BE49-F238E27FC236}">
+                <a16:creationId xmlns:a16="http://schemas.microsoft.com/office/drawing/2014/main" id="{4C69610F-4C49-9F1B-A02E-758C761B2534}"/>
+              </a:ext>
+            </a:extLst>
+          </p:cNvPr>
+          <p:cNvSpPr>
+            <a:spLocks noGrp="1" noRot="1" noChangeAspect="1"/>
+          </p:cNvSpPr>
+          <p:nvPr>
+            <p:ph type="sldImg"/>
+          </p:nvPr>
+        </p:nvSpPr>
+        <p:spPr/>
+      </p:sp>
+      <p:sp>
+        <p:nvSpPr>
+          <p:cNvPr id="3" name="Notizenplatzhalter 2">
+            <a:extLst>
+              <a:ext uri="{FF2B5EF4-FFF2-40B4-BE49-F238E27FC236}">
+                <a16:creationId xmlns:a16="http://schemas.microsoft.com/office/drawing/2014/main" id="{7D8F384E-8834-60C6-1B0B-4E849C92B6FA}"/>
+              </a:ext>
+            </a:extLst>
+          </p:cNvPr>
+          <p:cNvSpPr>
+            <a:spLocks noGrp="1"/>
+          </p:cNvSpPr>
+          <p:nvPr>
+            <p:ph type="body" idx="1"/>
+          </p:nvPr>
+        </p:nvSpPr>
+        <p:spPr/>
+        <p:txBody>
+          <a:bodyPr rtlCol="0"/>
+          <a:lstStyle>
+            <a:defPPr>
+              <a:defRPr lang="de-DE"/>
+            </a:defPPr>
+          </a:lstStyle>
+          <a:p>
+            <a:pPr rtl="0"/>
+            <a:endParaRPr lang="de-DE" dirty="0"/>
+          </a:p>
+        </p:txBody>
+      </p:sp>
+      <p:sp>
+        <p:nvSpPr>
+          <p:cNvPr id="4" name="Foliennummernplatzhalter 3">
+            <a:extLst>
+              <a:ext uri="{FF2B5EF4-FFF2-40B4-BE49-F238E27FC236}">
+                <a16:creationId xmlns:a16="http://schemas.microsoft.com/office/drawing/2014/main" id="{3D0183C1-9258-A4DE-43D3-BFA3DE5D9BBA}"/>
+              </a:ext>
+            </a:extLst>
+          </p:cNvPr>
+          <p:cNvSpPr>
+            <a:spLocks noGrp="1"/>
+          </p:cNvSpPr>
+          <p:nvPr>
+            <p:ph type="sldNum" sz="quarter" idx="5"/>
+          </p:nvPr>
+        </p:nvSpPr>
+        <p:spPr/>
+        <p:txBody>
+          <a:bodyPr rtlCol="0"/>
+          <a:lstStyle>
+            <a:defPPr>
+              <a:defRPr lang="de-DE"/>
+            </a:defPPr>
+          </a:lstStyle>
+          <a:p>
+            <a:pPr rtl="0"/>
+            <a:fld id="{C37D7554-D10C-4E29-B8E6-BB7111FA614F}" type="slidenum">
+              <a:rPr lang="de-DE" smtClean="0"/>
+              <a:t>16</a:t>
+            </a:fld>
+            <a:endParaRPr lang="de-DE" dirty="0"/>
+          </a:p>
+        </p:txBody>
+      </p:sp>
+    </p:spTree>
+    <p:extLst>
+      <p:ext uri="{BB962C8B-B14F-4D97-AF65-F5344CB8AC3E}">
+        <p14:creationId xmlns:p14="http://schemas.microsoft.com/office/powerpoint/2010/main" val="2504449349"/>
+      </p:ext>
+    </p:extLst>
+  </p:cSld>
+  <p:clrMapOvr>
+    <a:masterClrMapping/>
+  </p:clrMapOvr>
+</p:notes>
+</file>
+
+<file path=ppt/notesSlides/notesSlide17.xml><?xml version="1.0" encoding="utf-8"?>
+<p:notes xmlns:a="http://schemas.openxmlformats.org/drawingml/2006/main" xmlns:r="http://schemas.openxmlformats.org/officeDocument/2006/relationships" xmlns:p="http://schemas.openxmlformats.org/presentationml/2006/main">
+  <p:cSld>
+    <p:spTree>
+      <p:nvGrpSpPr>
+        <p:cNvPr id="1" name="">
+          <a:extLst>
+            <a:ext uri="{FF2B5EF4-FFF2-40B4-BE49-F238E27FC236}">
+              <a16:creationId xmlns:a16="http://schemas.microsoft.com/office/drawing/2014/main" id="{8EE5FD60-D879-458B-AB39-1FDDF2F1F076}"/>
+            </a:ext>
+          </a:extLst>
+        </p:cNvPr>
+        <p:cNvGrpSpPr/>
+        <p:nvPr/>
+      </p:nvGrpSpPr>
+      <p:grpSpPr>
+        <a:xfrm>
+          <a:off x="0" y="0"/>
+          <a:ext cx="0" cy="0"/>
+          <a:chOff x="0" y="0"/>
+          <a:chExt cx="0" cy="0"/>
+        </a:xfrm>
+      </p:grpSpPr>
+      <p:sp>
+        <p:nvSpPr>
+          <p:cNvPr id="2" name="Folienbildplatzhalter 1">
+            <a:extLst>
+              <a:ext uri="{FF2B5EF4-FFF2-40B4-BE49-F238E27FC236}">
+                <a16:creationId xmlns:a16="http://schemas.microsoft.com/office/drawing/2014/main" id="{E2C45C93-DD07-7CC5-B327-3363EEDC6AF0}"/>
+              </a:ext>
+            </a:extLst>
+          </p:cNvPr>
+          <p:cNvSpPr>
+            <a:spLocks noGrp="1" noRot="1" noChangeAspect="1"/>
+          </p:cNvSpPr>
+          <p:nvPr>
+            <p:ph type="sldImg"/>
+          </p:nvPr>
+        </p:nvSpPr>
+        <p:spPr/>
+      </p:sp>
+      <p:sp>
+        <p:nvSpPr>
+          <p:cNvPr id="3" name="Notizenplatzhalter 2">
+            <a:extLst>
+              <a:ext uri="{FF2B5EF4-FFF2-40B4-BE49-F238E27FC236}">
+                <a16:creationId xmlns:a16="http://schemas.microsoft.com/office/drawing/2014/main" id="{98E8FC38-153D-067C-C312-B1EF578C0507}"/>
+              </a:ext>
+            </a:extLst>
+          </p:cNvPr>
+          <p:cNvSpPr>
+            <a:spLocks noGrp="1"/>
+          </p:cNvSpPr>
+          <p:nvPr>
+            <p:ph type="body" idx="1"/>
+          </p:nvPr>
+        </p:nvSpPr>
+        <p:spPr/>
+        <p:txBody>
+          <a:bodyPr rtlCol="0"/>
+          <a:lstStyle>
+            <a:defPPr>
+              <a:defRPr lang="de-DE"/>
+            </a:defPPr>
+          </a:lstStyle>
+          <a:p>
+            <a:pPr rtl="0"/>
+            <a:endParaRPr lang="de-DE" dirty="0"/>
+          </a:p>
+        </p:txBody>
+      </p:sp>
+      <p:sp>
+        <p:nvSpPr>
+          <p:cNvPr id="4" name="Foliennummernplatzhalter 3">
+            <a:extLst>
+              <a:ext uri="{FF2B5EF4-FFF2-40B4-BE49-F238E27FC236}">
+                <a16:creationId xmlns:a16="http://schemas.microsoft.com/office/drawing/2014/main" id="{EA689281-8B8D-8178-7F93-05FA592D12FE}"/>
+              </a:ext>
+            </a:extLst>
+          </p:cNvPr>
+          <p:cNvSpPr>
+            <a:spLocks noGrp="1"/>
+          </p:cNvSpPr>
+          <p:nvPr>
+            <p:ph type="sldNum" sz="quarter" idx="5"/>
+          </p:nvPr>
+        </p:nvSpPr>
+        <p:spPr/>
+        <p:txBody>
+          <a:bodyPr rtlCol="0"/>
+          <a:lstStyle>
+            <a:defPPr>
+              <a:defRPr lang="de-DE"/>
+            </a:defPPr>
+          </a:lstStyle>
+          <a:p>
+            <a:pPr rtl="0"/>
+            <a:fld id="{C37D7554-D10C-4E29-B8E6-BB7111FA614F}" type="slidenum">
+              <a:rPr lang="de-DE" smtClean="0"/>
+              <a:t>17</a:t>
+            </a:fld>
+            <a:endParaRPr lang="de-DE" dirty="0"/>
+          </a:p>
+        </p:txBody>
+      </p:sp>
+    </p:spTree>
+    <p:extLst>
+      <p:ext uri="{BB962C8B-B14F-4D97-AF65-F5344CB8AC3E}">
+        <p14:creationId xmlns:p14="http://schemas.microsoft.com/office/powerpoint/2010/main" val="2085032112"/>
+      </p:ext>
+    </p:extLst>
+  </p:cSld>
+  <p:clrMapOvr>
+    <a:masterClrMapping/>
+  </p:clrMapOvr>
+</p:notes>
+</file>
+
+<file path=ppt/notesSlides/notesSlide18.xml><?xml version="1.0" encoding="utf-8"?>
+<p:notes xmlns:a="http://schemas.openxmlformats.org/drawingml/2006/main" xmlns:r="http://schemas.openxmlformats.org/officeDocument/2006/relationships" xmlns:p="http://schemas.openxmlformats.org/presentationml/2006/main">
+  <p:cSld>
+    <p:spTree>
+      <p:nvGrpSpPr>
+        <p:cNvPr id="1" name="">
+          <a:extLst>
+            <a:ext uri="{FF2B5EF4-FFF2-40B4-BE49-F238E27FC236}">
+              <a16:creationId xmlns:a16="http://schemas.microsoft.com/office/drawing/2014/main" id="{C098134D-1CA9-212F-DE9A-D02435D0ED65}"/>
+            </a:ext>
+          </a:extLst>
+        </p:cNvPr>
+        <p:cNvGrpSpPr/>
+        <p:nvPr/>
+      </p:nvGrpSpPr>
+      <p:grpSpPr>
+        <a:xfrm>
+          <a:off x="0" y="0"/>
+          <a:ext cx="0" cy="0"/>
+          <a:chOff x="0" y="0"/>
+          <a:chExt cx="0" cy="0"/>
+        </a:xfrm>
+      </p:grpSpPr>
+      <p:sp>
+        <p:nvSpPr>
+          <p:cNvPr id="2" name="Folienbildplatzhalter 1">
+            <a:extLst>
+              <a:ext uri="{FF2B5EF4-FFF2-40B4-BE49-F238E27FC236}">
+                <a16:creationId xmlns:a16="http://schemas.microsoft.com/office/drawing/2014/main" id="{7AA313BC-FE2B-FBFF-2A74-C9A1AAFD1F50}"/>
+              </a:ext>
+            </a:extLst>
+          </p:cNvPr>
+          <p:cNvSpPr>
+            <a:spLocks noGrp="1" noRot="1" noChangeAspect="1"/>
+          </p:cNvSpPr>
+          <p:nvPr>
+            <p:ph type="sldImg"/>
+          </p:nvPr>
+        </p:nvSpPr>
+        <p:spPr/>
+      </p:sp>
+      <p:sp>
+        <p:nvSpPr>
+          <p:cNvPr id="3" name="Notizenplatzhalter 2">
+            <a:extLst>
+              <a:ext uri="{FF2B5EF4-FFF2-40B4-BE49-F238E27FC236}">
+                <a16:creationId xmlns:a16="http://schemas.microsoft.com/office/drawing/2014/main" id="{EA463FD0-8BE1-4E5D-7BD3-0FBDD9722D09}"/>
+              </a:ext>
+            </a:extLst>
+          </p:cNvPr>
+          <p:cNvSpPr>
+            <a:spLocks noGrp="1"/>
+          </p:cNvSpPr>
+          <p:nvPr>
+            <p:ph type="body" idx="1"/>
+          </p:nvPr>
+        </p:nvSpPr>
+        <p:spPr/>
+        <p:txBody>
+          <a:bodyPr rtlCol="0"/>
+          <a:lstStyle>
+            <a:defPPr>
+              <a:defRPr lang="de-DE"/>
+            </a:defPPr>
+          </a:lstStyle>
+          <a:p>
+            <a:pPr rtl="0"/>
+            <a:endParaRPr lang="de-DE" dirty="0"/>
+          </a:p>
+        </p:txBody>
+      </p:sp>
+      <p:sp>
+        <p:nvSpPr>
+          <p:cNvPr id="4" name="Foliennummernplatzhalter 3">
+            <a:extLst>
+              <a:ext uri="{FF2B5EF4-FFF2-40B4-BE49-F238E27FC236}">
+                <a16:creationId xmlns:a16="http://schemas.microsoft.com/office/drawing/2014/main" id="{CBF2B6D2-1B3E-5F07-217A-F64F81F1A723}"/>
+              </a:ext>
+            </a:extLst>
+          </p:cNvPr>
+          <p:cNvSpPr>
+            <a:spLocks noGrp="1"/>
+          </p:cNvSpPr>
+          <p:nvPr>
+            <p:ph type="sldNum" sz="quarter" idx="5"/>
+          </p:nvPr>
+        </p:nvSpPr>
+        <p:spPr/>
+        <p:txBody>
+          <a:bodyPr rtlCol="0"/>
+          <a:lstStyle>
+            <a:defPPr>
+              <a:defRPr lang="de-DE"/>
+            </a:defPPr>
+          </a:lstStyle>
+          <a:p>
+            <a:pPr rtl="0"/>
+            <a:fld id="{C37D7554-D10C-4E29-B8E6-BB7111FA614F}" type="slidenum">
+              <a:rPr lang="de-DE" smtClean="0"/>
+              <a:t>18</a:t>
+            </a:fld>
+            <a:endParaRPr lang="de-DE" dirty="0"/>
+          </a:p>
+        </p:txBody>
+      </p:sp>
+    </p:spTree>
+    <p:extLst>
+      <p:ext uri="{BB962C8B-B14F-4D97-AF65-F5344CB8AC3E}">
+        <p14:creationId xmlns:p14="http://schemas.microsoft.com/office/powerpoint/2010/main" val="2745103648"/>
+      </p:ext>
+    </p:extLst>
+  </p:cSld>
+  <p:clrMapOvr>
+    <a:masterClrMapping/>
+  </p:clrMapOvr>
+</p:notes>
+</file>
+
+<file path=ppt/notesSlides/notesSlide19.xml><?xml version="1.0" encoding="utf-8"?>
+<p:notes xmlns:a="http://schemas.openxmlformats.org/drawingml/2006/main" xmlns:r="http://schemas.openxmlformats.org/officeDocument/2006/relationships" xmlns:p="http://schemas.openxmlformats.org/presentationml/2006/main">
+  <p:cSld>
+    <p:spTree>
+      <p:nvGrpSpPr>
+        <p:cNvPr id="1" name="">
+          <a:extLst>
+            <a:ext uri="{FF2B5EF4-FFF2-40B4-BE49-F238E27FC236}">
+              <a16:creationId xmlns:a16="http://schemas.microsoft.com/office/drawing/2014/main" id="{39BA0A38-64FA-F7AE-2F6C-A0138BDA10D6}"/>
+            </a:ext>
+          </a:extLst>
+        </p:cNvPr>
+        <p:cNvGrpSpPr/>
+        <p:nvPr/>
+      </p:nvGrpSpPr>
+      <p:grpSpPr>
+        <a:xfrm>
+          <a:off x="0" y="0"/>
+          <a:ext cx="0" cy="0"/>
+          <a:chOff x="0" y="0"/>
+          <a:chExt cx="0" cy="0"/>
+        </a:xfrm>
+      </p:grpSpPr>
+      <p:sp>
+        <p:nvSpPr>
+          <p:cNvPr id="2" name="Folienbildplatzhalter 1">
+            <a:extLst>
+              <a:ext uri="{FF2B5EF4-FFF2-40B4-BE49-F238E27FC236}">
+                <a16:creationId xmlns:a16="http://schemas.microsoft.com/office/drawing/2014/main" id="{C95BA207-1D71-98C2-8DBC-F6A44AF8D243}"/>
+              </a:ext>
+            </a:extLst>
+          </p:cNvPr>
+          <p:cNvSpPr>
+            <a:spLocks noGrp="1" noRot="1" noChangeAspect="1"/>
+          </p:cNvSpPr>
+          <p:nvPr>
+            <p:ph type="sldImg"/>
+          </p:nvPr>
+        </p:nvSpPr>
+        <p:spPr/>
+      </p:sp>
+      <p:sp>
+        <p:nvSpPr>
+          <p:cNvPr id="3" name="Notizenplatzhalter 2">
+            <a:extLst>
+              <a:ext uri="{FF2B5EF4-FFF2-40B4-BE49-F238E27FC236}">
+                <a16:creationId xmlns:a16="http://schemas.microsoft.com/office/drawing/2014/main" id="{79412450-4262-1F7C-4289-A10957B3127E}"/>
+              </a:ext>
+            </a:extLst>
+          </p:cNvPr>
+          <p:cNvSpPr>
+            <a:spLocks noGrp="1"/>
+          </p:cNvSpPr>
+          <p:nvPr>
+            <p:ph type="body" idx="1"/>
+          </p:nvPr>
+        </p:nvSpPr>
+        <p:spPr/>
+        <p:txBody>
+          <a:bodyPr rtlCol="0"/>
+          <a:lstStyle>
+            <a:defPPr>
+              <a:defRPr lang="de-DE"/>
+            </a:defPPr>
+          </a:lstStyle>
+          <a:p>
+            <a:pPr rtl="0"/>
+            <a:endParaRPr lang="de-DE" dirty="0"/>
+          </a:p>
+        </p:txBody>
+      </p:sp>
+      <p:sp>
+        <p:nvSpPr>
+          <p:cNvPr id="4" name="Foliennummernplatzhalter 3">
+            <a:extLst>
+              <a:ext uri="{FF2B5EF4-FFF2-40B4-BE49-F238E27FC236}">
+                <a16:creationId xmlns:a16="http://schemas.microsoft.com/office/drawing/2014/main" id="{96D7C260-190A-7712-C16F-A432203F3392}"/>
+              </a:ext>
+            </a:extLst>
+          </p:cNvPr>
+          <p:cNvSpPr>
+            <a:spLocks noGrp="1"/>
+          </p:cNvSpPr>
+          <p:nvPr>
+            <p:ph type="sldNum" sz="quarter" idx="5"/>
+          </p:nvPr>
+        </p:nvSpPr>
+        <p:spPr/>
+        <p:txBody>
+          <a:bodyPr rtlCol="0"/>
+          <a:lstStyle>
+            <a:defPPr>
+              <a:defRPr lang="de-DE"/>
+            </a:defPPr>
+          </a:lstStyle>
+          <a:p>
+            <a:pPr rtl="0"/>
+            <a:fld id="{C37D7554-D10C-4E29-B8E6-BB7111FA614F}" type="slidenum">
+              <a:rPr lang="de-DE" smtClean="0"/>
+              <a:t>19</a:t>
+            </a:fld>
+            <a:endParaRPr lang="de-DE" dirty="0"/>
+          </a:p>
+        </p:txBody>
+      </p:sp>
+    </p:spTree>
+    <p:extLst>
+      <p:ext uri="{BB962C8B-B14F-4D97-AF65-F5344CB8AC3E}">
+        <p14:creationId xmlns:p14="http://schemas.microsoft.com/office/powerpoint/2010/main" val="4209941582"/>
+      </p:ext>
+    </p:extLst>
+  </p:cSld>
+  <p:clrMapOvr>
+    <a:masterClrMapping/>
+  </p:clrMapOvr>
+</p:notes>
+</file>
+
 <file path=ppt/notesSlides/notesSlide2.xml><?xml version="1.0" encoding="utf-8"?>
 <p:notes xmlns:a="http://schemas.openxmlformats.org/drawingml/2006/main" xmlns:r="http://schemas.openxmlformats.org/officeDocument/2006/relationships" xmlns:p="http://schemas.openxmlformats.org/presentationml/2006/main">
   <p:cSld>
@@ -1607,6 +2084,124 @@
     <p:extLst>
       <p:ext uri="{BB962C8B-B14F-4D97-AF65-F5344CB8AC3E}">
         <p14:creationId xmlns:p14="http://schemas.microsoft.com/office/powerpoint/2010/main" val="3979479189"/>
+      </p:ext>
+    </p:extLst>
+  </p:cSld>
+  <p:clrMapOvr>
+    <a:masterClrMapping/>
+  </p:clrMapOvr>
+</p:notes>
+</file>
+
+<file path=ppt/notesSlides/notesSlide20.xml><?xml version="1.0" encoding="utf-8"?>
+<p:notes xmlns:a="http://schemas.openxmlformats.org/drawingml/2006/main" xmlns:r="http://schemas.openxmlformats.org/officeDocument/2006/relationships" xmlns:p="http://schemas.openxmlformats.org/presentationml/2006/main">
+  <p:cSld>
+    <p:spTree>
+      <p:nvGrpSpPr>
+        <p:cNvPr id="1" name="">
+          <a:extLst>
+            <a:ext uri="{FF2B5EF4-FFF2-40B4-BE49-F238E27FC236}">
+              <a16:creationId xmlns:a16="http://schemas.microsoft.com/office/drawing/2014/main" id="{B32A5B05-4931-2740-C323-6342C310B238}"/>
+            </a:ext>
+          </a:extLst>
+        </p:cNvPr>
+        <p:cNvGrpSpPr/>
+        <p:nvPr/>
+      </p:nvGrpSpPr>
+      <p:grpSpPr>
+        <a:xfrm>
+          <a:off x="0" y="0"/>
+          <a:ext cx="0" cy="0"/>
+          <a:chOff x="0" y="0"/>
+          <a:chExt cx="0" cy="0"/>
+        </a:xfrm>
+      </p:grpSpPr>
+      <p:sp>
+        <p:nvSpPr>
+          <p:cNvPr id="2" name="Folienbildplatzhalter 1">
+            <a:extLst>
+              <a:ext uri="{FF2B5EF4-FFF2-40B4-BE49-F238E27FC236}">
+                <a16:creationId xmlns:a16="http://schemas.microsoft.com/office/drawing/2014/main" id="{B609CE05-A68B-0350-A46E-19ACAC3F4EAF}"/>
+              </a:ext>
+            </a:extLst>
+          </p:cNvPr>
+          <p:cNvSpPr>
+            <a:spLocks noGrp="1" noRot="1" noChangeAspect="1"/>
+          </p:cNvSpPr>
+          <p:nvPr>
+            <p:ph type="sldImg"/>
+          </p:nvPr>
+        </p:nvSpPr>
+        <p:spPr/>
+      </p:sp>
+      <p:sp>
+        <p:nvSpPr>
+          <p:cNvPr id="3" name="Notizenplatzhalter 2">
+            <a:extLst>
+              <a:ext uri="{FF2B5EF4-FFF2-40B4-BE49-F238E27FC236}">
+                <a16:creationId xmlns:a16="http://schemas.microsoft.com/office/drawing/2014/main" id="{2B6AE94C-9E7B-488B-5CE4-36066E0081E6}"/>
+              </a:ext>
+            </a:extLst>
+          </p:cNvPr>
+          <p:cNvSpPr>
+            <a:spLocks noGrp="1"/>
+          </p:cNvSpPr>
+          <p:nvPr>
+            <p:ph type="body" idx="1"/>
+          </p:nvPr>
+        </p:nvSpPr>
+        <p:spPr/>
+        <p:txBody>
+          <a:bodyPr rtlCol="0"/>
+          <a:lstStyle>
+            <a:defPPr>
+              <a:defRPr lang="de-DE"/>
+            </a:defPPr>
+          </a:lstStyle>
+          <a:p>
+            <a:pPr rtl="0"/>
+            <a:endParaRPr lang="de-DE" dirty="0"/>
+          </a:p>
+        </p:txBody>
+      </p:sp>
+      <p:sp>
+        <p:nvSpPr>
+          <p:cNvPr id="4" name="Foliennummernplatzhalter 3">
+            <a:extLst>
+              <a:ext uri="{FF2B5EF4-FFF2-40B4-BE49-F238E27FC236}">
+                <a16:creationId xmlns:a16="http://schemas.microsoft.com/office/drawing/2014/main" id="{85C160F3-89F2-029E-2E79-CE0E3110573E}"/>
+              </a:ext>
+            </a:extLst>
+          </p:cNvPr>
+          <p:cNvSpPr>
+            <a:spLocks noGrp="1"/>
+          </p:cNvSpPr>
+          <p:nvPr>
+            <p:ph type="sldNum" sz="quarter" idx="5"/>
+          </p:nvPr>
+        </p:nvSpPr>
+        <p:spPr/>
+        <p:txBody>
+          <a:bodyPr rtlCol="0"/>
+          <a:lstStyle>
+            <a:defPPr>
+              <a:defRPr lang="de-DE"/>
+            </a:defPPr>
+          </a:lstStyle>
+          <a:p>
+            <a:pPr rtl="0"/>
+            <a:fld id="{C37D7554-D10C-4E29-B8E6-BB7111FA614F}" type="slidenum">
+              <a:rPr lang="de-DE" smtClean="0"/>
+              <a:t>20</a:t>
+            </a:fld>
+            <a:endParaRPr lang="de-DE" dirty="0"/>
+          </a:p>
+        </p:txBody>
+      </p:sp>
+    </p:spTree>
+    <p:extLst>
+      <p:ext uri="{BB962C8B-B14F-4D97-AF65-F5344CB8AC3E}">
+        <p14:creationId xmlns:p14="http://schemas.microsoft.com/office/powerpoint/2010/main" val="2088822011"/>
       </p:ext>
     </p:extLst>
   </p:cSld>
@@ -8943,6 +9538,659 @@
 </p:sld>
 </file>
 
+<file path=ppt/slides/slide16.xml><?xml version="1.0" encoding="utf-8"?>
+<p:sld xmlns:a="http://schemas.openxmlformats.org/drawingml/2006/main" xmlns:r="http://schemas.openxmlformats.org/officeDocument/2006/relationships" xmlns:p="http://schemas.openxmlformats.org/presentationml/2006/main">
+  <p:cSld>
+    <p:spTree>
+      <p:nvGrpSpPr>
+        <p:cNvPr id="1" name="">
+          <a:extLst>
+            <a:ext uri="{FF2B5EF4-FFF2-40B4-BE49-F238E27FC236}">
+              <a16:creationId xmlns:a16="http://schemas.microsoft.com/office/drawing/2014/main" id="{5BB9411F-1F6A-6B81-C953-1F1B16C0266C}"/>
+            </a:ext>
+          </a:extLst>
+        </p:cNvPr>
+        <p:cNvGrpSpPr/>
+        <p:nvPr/>
+      </p:nvGrpSpPr>
+      <p:grpSpPr>
+        <a:xfrm>
+          <a:off x="0" y="0"/>
+          <a:ext cx="0" cy="0"/>
+          <a:chOff x="0" y="0"/>
+          <a:chExt cx="0" cy="0"/>
+        </a:xfrm>
+      </p:grpSpPr>
+      <p:sp>
+        <p:nvSpPr>
+          <p:cNvPr id="2" name="Titel 1">
+            <a:extLst>
+              <a:ext uri="{FF2B5EF4-FFF2-40B4-BE49-F238E27FC236}">
+                <a16:creationId xmlns:a16="http://schemas.microsoft.com/office/drawing/2014/main" id="{B4892AA7-FA34-02B2-F786-F4C1FC132881}"/>
+              </a:ext>
+            </a:extLst>
+          </p:cNvPr>
+          <p:cNvSpPr>
+            <a:spLocks noGrp="1"/>
+          </p:cNvSpPr>
+          <p:nvPr>
+            <p:ph type="title"/>
+          </p:nvPr>
+        </p:nvSpPr>
+        <p:spPr>
+          <a:xfrm>
+            <a:off x="1308692" y="2663240"/>
+            <a:ext cx="9191292" cy="765760"/>
+          </a:xfrm>
+        </p:spPr>
+        <p:txBody>
+          <a:bodyPr rtlCol="0">
+            <a:normAutofit/>
+          </a:bodyPr>
+          <a:lstStyle>
+            <a:defPPr>
+              <a:defRPr lang="de-DE"/>
+            </a:defPPr>
+          </a:lstStyle>
+          <a:p>
+            <a:pPr rtl="0"/>
+            <a:r>
+              <a:rPr lang="fr-FR" sz="4400" noProof="0" dirty="0"/>
+              <a:t>Rendez-vous 3</a:t>
+            </a:r>
+          </a:p>
+        </p:txBody>
+      </p:sp>
+      <p:sp>
+        <p:nvSpPr>
+          <p:cNvPr id="4" name="Foliennummernplatzhalter 3">
+            <a:extLst>
+              <a:ext uri="{FF2B5EF4-FFF2-40B4-BE49-F238E27FC236}">
+                <a16:creationId xmlns:a16="http://schemas.microsoft.com/office/drawing/2014/main" id="{65147C94-479C-FAED-9188-8CBAEA29513C}"/>
+              </a:ext>
+            </a:extLst>
+          </p:cNvPr>
+          <p:cNvSpPr>
+            <a:spLocks noGrp="1"/>
+          </p:cNvSpPr>
+          <p:nvPr>
+            <p:ph type="sldNum" sz="quarter" idx="15"/>
+          </p:nvPr>
+        </p:nvSpPr>
+        <p:spPr/>
+        <p:txBody>
+          <a:bodyPr rtlCol="0"/>
+          <a:lstStyle>
+            <a:defPPr>
+              <a:defRPr lang="de-DE"/>
+            </a:defPPr>
+          </a:lstStyle>
+          <a:p>
+            <a:pPr rtl="0"/>
+            <a:fld id="{18D65601-5AE2-46FC-B138-694DDD2B510D}" type="slidenum">
+              <a:rPr lang="fr-FR" noProof="0" smtClean="0"/>
+              <a:pPr rtl="0"/>
+              <a:t>16</a:t>
+            </a:fld>
+            <a:endParaRPr lang="fr-FR" noProof="0" dirty="0"/>
+          </a:p>
+        </p:txBody>
+      </p:sp>
+    </p:spTree>
+    <p:extLst>
+      <p:ext uri="{BB962C8B-B14F-4D97-AF65-F5344CB8AC3E}">
+        <p14:creationId xmlns:p14="http://schemas.microsoft.com/office/powerpoint/2010/main" val="2490650907"/>
+      </p:ext>
+    </p:extLst>
+  </p:cSld>
+  <p:clrMapOvr>
+    <a:masterClrMapping/>
+  </p:clrMapOvr>
+</p:sld>
+</file>
+
+<file path=ppt/slides/slide17.xml><?xml version="1.0" encoding="utf-8"?>
+<p:sld xmlns:a="http://schemas.openxmlformats.org/drawingml/2006/main" xmlns:r="http://schemas.openxmlformats.org/officeDocument/2006/relationships" xmlns:p="http://schemas.openxmlformats.org/presentationml/2006/main">
+  <p:cSld>
+    <p:spTree>
+      <p:nvGrpSpPr>
+        <p:cNvPr id="1" name="">
+          <a:extLst>
+            <a:ext uri="{FF2B5EF4-FFF2-40B4-BE49-F238E27FC236}">
+              <a16:creationId xmlns:a16="http://schemas.microsoft.com/office/drawing/2014/main" id="{D4FF6453-2118-6AB9-0C5C-286FDA7B7AD2}"/>
+            </a:ext>
+          </a:extLst>
+        </p:cNvPr>
+        <p:cNvGrpSpPr/>
+        <p:nvPr/>
+      </p:nvGrpSpPr>
+      <p:grpSpPr>
+        <a:xfrm>
+          <a:off x="0" y="0"/>
+          <a:ext cx="0" cy="0"/>
+          <a:chOff x="0" y="0"/>
+          <a:chExt cx="0" cy="0"/>
+        </a:xfrm>
+      </p:grpSpPr>
+      <p:sp>
+        <p:nvSpPr>
+          <p:cNvPr id="2" name="Titel 1">
+            <a:extLst>
+              <a:ext uri="{FF2B5EF4-FFF2-40B4-BE49-F238E27FC236}">
+                <a16:creationId xmlns:a16="http://schemas.microsoft.com/office/drawing/2014/main" id="{338EB271-477C-C3B8-77D0-BA1E8ABE4616}"/>
+              </a:ext>
+            </a:extLst>
+          </p:cNvPr>
+          <p:cNvSpPr>
+            <a:spLocks noGrp="1"/>
+          </p:cNvSpPr>
+          <p:nvPr>
+            <p:ph type="title"/>
+          </p:nvPr>
+        </p:nvSpPr>
+        <p:spPr>
+          <a:xfrm>
+            <a:off x="1245318" y="345553"/>
+            <a:ext cx="9191292" cy="765760"/>
+          </a:xfrm>
+        </p:spPr>
+        <p:txBody>
+          <a:bodyPr rtlCol="0">
+            <a:normAutofit/>
+          </a:bodyPr>
+          <a:lstStyle>
+            <a:defPPr>
+              <a:defRPr lang="de-DE"/>
+            </a:defPPr>
+          </a:lstStyle>
+          <a:p>
+            <a:pPr rtl="0"/>
+            <a:r>
+              <a:rPr lang="fr-FR" sz="3200" dirty="0"/>
+              <a:t>MIDAS</a:t>
+            </a:r>
+            <a:endParaRPr lang="fr-FR" sz="3200" noProof="0" dirty="0"/>
+          </a:p>
+        </p:txBody>
+      </p:sp>
+      <p:sp>
+        <p:nvSpPr>
+          <p:cNvPr id="4" name="Foliennummernplatzhalter 3">
+            <a:extLst>
+              <a:ext uri="{FF2B5EF4-FFF2-40B4-BE49-F238E27FC236}">
+                <a16:creationId xmlns:a16="http://schemas.microsoft.com/office/drawing/2014/main" id="{6A93D822-3FA8-A065-98E0-453F7DD5D3E2}"/>
+              </a:ext>
+            </a:extLst>
+          </p:cNvPr>
+          <p:cNvSpPr>
+            <a:spLocks noGrp="1"/>
+          </p:cNvSpPr>
+          <p:nvPr>
+            <p:ph type="sldNum" sz="quarter" idx="15"/>
+          </p:nvPr>
+        </p:nvSpPr>
+        <p:spPr/>
+        <p:txBody>
+          <a:bodyPr rtlCol="0"/>
+          <a:lstStyle>
+            <a:defPPr>
+              <a:defRPr lang="de-DE"/>
+            </a:defPPr>
+          </a:lstStyle>
+          <a:p>
+            <a:pPr rtl="0"/>
+            <a:fld id="{18D65601-5AE2-46FC-B138-694DDD2B510D}" type="slidenum">
+              <a:rPr lang="fr-FR" noProof="0" smtClean="0"/>
+              <a:pPr rtl="0"/>
+              <a:t>17</a:t>
+            </a:fld>
+            <a:endParaRPr lang="fr-FR" noProof="0" dirty="0"/>
+          </a:p>
+        </p:txBody>
+      </p:sp>
+      <p:sp>
+        <p:nvSpPr>
+          <p:cNvPr id="7" name="Inhaltsplatzhalter 2">
+            <a:extLst>
+              <a:ext uri="{FF2B5EF4-FFF2-40B4-BE49-F238E27FC236}">
+                <a16:creationId xmlns:a16="http://schemas.microsoft.com/office/drawing/2014/main" id="{1A6D83A6-4CB6-DECA-9F66-550FCEBE4717}"/>
+              </a:ext>
+            </a:extLst>
+          </p:cNvPr>
+          <p:cNvSpPr>
+            <a:spLocks noGrp="1"/>
+          </p:cNvSpPr>
+          <p:nvPr>
+            <p:ph sz="quarter" idx="12"/>
+          </p:nvPr>
+        </p:nvSpPr>
+        <p:spPr>
+          <a:xfrm>
+            <a:off x="2995714" y="5288704"/>
+            <a:ext cx="7016438" cy="887239"/>
+          </a:xfrm>
+        </p:spPr>
+        <p:txBody>
+          <a:bodyPr rtlCol="0">
+            <a:normAutofit/>
+          </a:bodyPr>
+          <a:lstStyle>
+            <a:defPPr>
+              <a:defRPr lang="de-DE"/>
+            </a:defPPr>
+          </a:lstStyle>
+          <a:p>
+            <a:pPr marL="0" indent="0" algn="ctr" rtl="0">
+              <a:buNone/>
+            </a:pPr>
+            <a:r>
+              <a:rPr lang="fr-FR" sz="1800" i="1" dirty="0"/>
+              <a:t>Régression MIDAS roulante: secteur Télécom + Taux 10Y</a:t>
+            </a:r>
+            <a:endParaRPr lang="fr-FR" sz="1800" i="1" noProof="0" dirty="0"/>
+          </a:p>
+        </p:txBody>
+      </p:sp>
+      <p:pic>
+        <p:nvPicPr>
+          <p:cNvPr id="5" name="Image 4">
+            <a:extLst>
+              <a:ext uri="{FF2B5EF4-FFF2-40B4-BE49-F238E27FC236}">
+                <a16:creationId xmlns:a16="http://schemas.microsoft.com/office/drawing/2014/main" id="{3CA1C4F9-A02B-497B-F2B7-D4BF8220A08E}"/>
+              </a:ext>
+            </a:extLst>
+          </p:cNvPr>
+          <p:cNvPicPr>
+            <a:picLocks noChangeAspect="1"/>
+          </p:cNvPicPr>
+          <p:nvPr/>
+        </p:nvPicPr>
+        <p:blipFill>
+          <a:blip r:embed="rId3"/>
+          <a:stretch>
+            <a:fillRect/>
+          </a:stretch>
+        </p:blipFill>
+        <p:spPr>
+          <a:xfrm>
+            <a:off x="1755390" y="1111313"/>
+            <a:ext cx="9497086" cy="4298870"/>
+          </a:xfrm>
+          <a:prstGeom prst="rect">
+            <a:avLst/>
+          </a:prstGeom>
+        </p:spPr>
+      </p:pic>
+    </p:spTree>
+    <p:extLst>
+      <p:ext uri="{BB962C8B-B14F-4D97-AF65-F5344CB8AC3E}">
+        <p14:creationId xmlns:p14="http://schemas.microsoft.com/office/powerpoint/2010/main" val="1362790215"/>
+      </p:ext>
+    </p:extLst>
+  </p:cSld>
+  <p:clrMapOvr>
+    <a:masterClrMapping/>
+  </p:clrMapOvr>
+</p:sld>
+</file>
+
+<file path=ppt/slides/slide18.xml><?xml version="1.0" encoding="utf-8"?>
+<p:sld xmlns:a="http://schemas.openxmlformats.org/drawingml/2006/main" xmlns:r="http://schemas.openxmlformats.org/officeDocument/2006/relationships" xmlns:p="http://schemas.openxmlformats.org/presentationml/2006/main">
+  <p:cSld>
+    <p:spTree>
+      <p:nvGrpSpPr>
+        <p:cNvPr id="1" name="">
+          <a:extLst>
+            <a:ext uri="{FF2B5EF4-FFF2-40B4-BE49-F238E27FC236}">
+              <a16:creationId xmlns:a16="http://schemas.microsoft.com/office/drawing/2014/main" id="{918D9292-9FB6-F6C0-1DEF-50638C3EF8CE}"/>
+            </a:ext>
+          </a:extLst>
+        </p:cNvPr>
+        <p:cNvGrpSpPr/>
+        <p:nvPr/>
+      </p:nvGrpSpPr>
+      <p:grpSpPr>
+        <a:xfrm>
+          <a:off x="0" y="0"/>
+          <a:ext cx="0" cy="0"/>
+          <a:chOff x="0" y="0"/>
+          <a:chExt cx="0" cy="0"/>
+        </a:xfrm>
+      </p:grpSpPr>
+      <p:sp>
+        <p:nvSpPr>
+          <p:cNvPr id="2" name="Titel 1">
+            <a:extLst>
+              <a:ext uri="{FF2B5EF4-FFF2-40B4-BE49-F238E27FC236}">
+                <a16:creationId xmlns:a16="http://schemas.microsoft.com/office/drawing/2014/main" id="{4DBDE701-1308-C552-C895-23636E2A369B}"/>
+              </a:ext>
+            </a:extLst>
+          </p:cNvPr>
+          <p:cNvSpPr>
+            <a:spLocks noGrp="1"/>
+          </p:cNvSpPr>
+          <p:nvPr>
+            <p:ph type="title"/>
+          </p:nvPr>
+        </p:nvSpPr>
+        <p:spPr>
+          <a:xfrm>
+            <a:off x="1245318" y="345553"/>
+            <a:ext cx="9191292" cy="765760"/>
+          </a:xfrm>
+        </p:spPr>
+        <p:txBody>
+          <a:bodyPr rtlCol="0">
+            <a:normAutofit/>
+          </a:bodyPr>
+          <a:lstStyle>
+            <a:defPPr>
+              <a:defRPr lang="de-DE"/>
+            </a:defPPr>
+          </a:lstStyle>
+          <a:p>
+            <a:pPr rtl="0"/>
+            <a:r>
+              <a:rPr lang="fr-FR" sz="3200" dirty="0"/>
+              <a:t>MIDAS</a:t>
+            </a:r>
+            <a:endParaRPr lang="fr-FR" sz="3200" noProof="0" dirty="0"/>
+          </a:p>
+        </p:txBody>
+      </p:sp>
+      <p:sp>
+        <p:nvSpPr>
+          <p:cNvPr id="4" name="Foliennummernplatzhalter 3">
+            <a:extLst>
+              <a:ext uri="{FF2B5EF4-FFF2-40B4-BE49-F238E27FC236}">
+                <a16:creationId xmlns:a16="http://schemas.microsoft.com/office/drawing/2014/main" id="{660D7834-2F9C-4F56-73C3-7FED2E74B1A0}"/>
+              </a:ext>
+            </a:extLst>
+          </p:cNvPr>
+          <p:cNvSpPr>
+            <a:spLocks noGrp="1"/>
+          </p:cNvSpPr>
+          <p:nvPr>
+            <p:ph type="sldNum" sz="quarter" idx="15"/>
+          </p:nvPr>
+        </p:nvSpPr>
+        <p:spPr/>
+        <p:txBody>
+          <a:bodyPr rtlCol="0"/>
+          <a:lstStyle>
+            <a:defPPr>
+              <a:defRPr lang="de-DE"/>
+            </a:defPPr>
+          </a:lstStyle>
+          <a:p>
+            <a:pPr rtl="0"/>
+            <a:fld id="{18D65601-5AE2-46FC-B138-694DDD2B510D}" type="slidenum">
+              <a:rPr lang="fr-FR" noProof="0" smtClean="0"/>
+              <a:pPr rtl="0"/>
+              <a:t>18</a:t>
+            </a:fld>
+            <a:endParaRPr lang="fr-FR" noProof="0" dirty="0"/>
+          </a:p>
+        </p:txBody>
+      </p:sp>
+      <p:pic>
+        <p:nvPicPr>
+          <p:cNvPr id="9" name="Image 8">
+            <a:extLst>
+              <a:ext uri="{FF2B5EF4-FFF2-40B4-BE49-F238E27FC236}">
+                <a16:creationId xmlns:a16="http://schemas.microsoft.com/office/drawing/2014/main" id="{7262CF65-92EB-82BB-99AF-E9C73F9DF35C}"/>
+              </a:ext>
+            </a:extLst>
+          </p:cNvPr>
+          <p:cNvPicPr>
+            <a:picLocks noChangeAspect="1"/>
+          </p:cNvPicPr>
+          <p:nvPr/>
+        </p:nvPicPr>
+        <p:blipFill>
+          <a:blip r:embed="rId3"/>
+          <a:stretch>
+            <a:fillRect/>
+          </a:stretch>
+        </p:blipFill>
+        <p:spPr>
+          <a:xfrm>
+            <a:off x="3516375" y="1785324"/>
+            <a:ext cx="5672893" cy="3153043"/>
+          </a:xfrm>
+          <a:prstGeom prst="rect">
+            <a:avLst/>
+          </a:prstGeom>
+        </p:spPr>
+      </p:pic>
+      <p:sp>
+        <p:nvSpPr>
+          <p:cNvPr id="10" name="Inhaltsplatzhalter 2">
+            <a:extLst>
+              <a:ext uri="{FF2B5EF4-FFF2-40B4-BE49-F238E27FC236}">
+                <a16:creationId xmlns:a16="http://schemas.microsoft.com/office/drawing/2014/main" id="{4D6EEA3E-4202-7DE5-0512-FC0373E82C5B}"/>
+              </a:ext>
+            </a:extLst>
+          </p:cNvPr>
+          <p:cNvSpPr>
+            <a:spLocks noGrp="1"/>
+          </p:cNvSpPr>
+          <p:nvPr>
+            <p:ph sz="quarter" idx="12"/>
+          </p:nvPr>
+        </p:nvSpPr>
+        <p:spPr>
+          <a:xfrm>
+            <a:off x="2844602" y="4836031"/>
+            <a:ext cx="7016438" cy="887239"/>
+          </a:xfrm>
+        </p:spPr>
+        <p:txBody>
+          <a:bodyPr rtlCol="0">
+            <a:normAutofit/>
+          </a:bodyPr>
+          <a:lstStyle>
+            <a:defPPr>
+              <a:defRPr lang="de-DE"/>
+            </a:defPPr>
+          </a:lstStyle>
+          <a:p>
+            <a:pPr marL="0" indent="0" algn="ctr" rtl="0">
+              <a:buNone/>
+            </a:pPr>
+            <a:r>
+              <a:rPr lang="fr-FR" sz="1800" i="1" dirty="0"/>
+              <a:t>Expositions des secteurs aux variables macro</a:t>
+            </a:r>
+            <a:endParaRPr lang="fr-FR" sz="1800" i="1" noProof="0" dirty="0"/>
+          </a:p>
+        </p:txBody>
+      </p:sp>
+    </p:spTree>
+    <p:extLst>
+      <p:ext uri="{BB962C8B-B14F-4D97-AF65-F5344CB8AC3E}">
+        <p14:creationId xmlns:p14="http://schemas.microsoft.com/office/powerpoint/2010/main" val="1146831947"/>
+      </p:ext>
+    </p:extLst>
+  </p:cSld>
+  <p:clrMapOvr>
+    <a:masterClrMapping/>
+  </p:clrMapOvr>
+</p:sld>
+</file>
+
+<file path=ppt/slides/slide19.xml><?xml version="1.0" encoding="utf-8"?>
+<p:sld xmlns:a="http://schemas.openxmlformats.org/drawingml/2006/main" xmlns:r="http://schemas.openxmlformats.org/officeDocument/2006/relationships" xmlns:p="http://schemas.openxmlformats.org/presentationml/2006/main">
+  <p:cSld>
+    <p:spTree>
+      <p:nvGrpSpPr>
+        <p:cNvPr id="1" name="">
+          <a:extLst>
+            <a:ext uri="{FF2B5EF4-FFF2-40B4-BE49-F238E27FC236}">
+              <a16:creationId xmlns:a16="http://schemas.microsoft.com/office/drawing/2014/main" id="{DAA2CDCE-A456-E387-6CF8-8B24D747D82A}"/>
+            </a:ext>
+          </a:extLst>
+        </p:cNvPr>
+        <p:cNvGrpSpPr/>
+        <p:nvPr/>
+      </p:nvGrpSpPr>
+      <p:grpSpPr>
+        <a:xfrm>
+          <a:off x="0" y="0"/>
+          <a:ext cx="0" cy="0"/>
+          <a:chOff x="0" y="0"/>
+          <a:chExt cx="0" cy="0"/>
+        </a:xfrm>
+      </p:grpSpPr>
+      <p:sp>
+        <p:nvSpPr>
+          <p:cNvPr id="2" name="Titel 1">
+            <a:extLst>
+              <a:ext uri="{FF2B5EF4-FFF2-40B4-BE49-F238E27FC236}">
+                <a16:creationId xmlns:a16="http://schemas.microsoft.com/office/drawing/2014/main" id="{5B4216B1-98E8-F576-E5FE-4CD6A8B121D3}"/>
+              </a:ext>
+            </a:extLst>
+          </p:cNvPr>
+          <p:cNvSpPr>
+            <a:spLocks noGrp="1"/>
+          </p:cNvSpPr>
+          <p:nvPr>
+            <p:ph type="title"/>
+          </p:nvPr>
+        </p:nvSpPr>
+        <p:spPr>
+          <a:xfrm>
+            <a:off x="1245318" y="345553"/>
+            <a:ext cx="9191292" cy="765760"/>
+          </a:xfrm>
+        </p:spPr>
+        <p:txBody>
+          <a:bodyPr rtlCol="0">
+            <a:normAutofit/>
+          </a:bodyPr>
+          <a:lstStyle>
+            <a:defPPr>
+              <a:defRPr lang="de-DE"/>
+            </a:defPPr>
+          </a:lstStyle>
+          <a:p>
+            <a:pPr rtl="0"/>
+            <a:r>
+              <a:rPr lang="fr-FR" sz="3200" dirty="0"/>
+              <a:t>Market Timing : Stratégie Momentum</a:t>
+            </a:r>
+            <a:endParaRPr lang="fr-FR" sz="3200" noProof="0" dirty="0"/>
+          </a:p>
+        </p:txBody>
+      </p:sp>
+      <p:sp>
+        <p:nvSpPr>
+          <p:cNvPr id="4" name="Foliennummernplatzhalter 3">
+            <a:extLst>
+              <a:ext uri="{FF2B5EF4-FFF2-40B4-BE49-F238E27FC236}">
+                <a16:creationId xmlns:a16="http://schemas.microsoft.com/office/drawing/2014/main" id="{09A681D6-B672-83F7-F7BE-501038CAC85A}"/>
+              </a:ext>
+            </a:extLst>
+          </p:cNvPr>
+          <p:cNvSpPr>
+            <a:spLocks noGrp="1"/>
+          </p:cNvSpPr>
+          <p:nvPr>
+            <p:ph type="sldNum" sz="quarter" idx="15"/>
+          </p:nvPr>
+        </p:nvSpPr>
+        <p:spPr/>
+        <p:txBody>
+          <a:bodyPr rtlCol="0"/>
+          <a:lstStyle>
+            <a:defPPr>
+              <a:defRPr lang="de-DE"/>
+            </a:defPPr>
+          </a:lstStyle>
+          <a:p>
+            <a:pPr rtl="0"/>
+            <a:fld id="{18D65601-5AE2-46FC-B138-694DDD2B510D}" type="slidenum">
+              <a:rPr lang="fr-FR" noProof="0" smtClean="0"/>
+              <a:pPr rtl="0"/>
+              <a:t>19</a:t>
+            </a:fld>
+            <a:endParaRPr lang="fr-FR" noProof="0" dirty="0"/>
+          </a:p>
+        </p:txBody>
+      </p:sp>
+      <p:pic>
+        <p:nvPicPr>
+          <p:cNvPr id="5" name="Image 4">
+            <a:extLst>
+              <a:ext uri="{FF2B5EF4-FFF2-40B4-BE49-F238E27FC236}">
+                <a16:creationId xmlns:a16="http://schemas.microsoft.com/office/drawing/2014/main" id="{7619DEC6-F025-136F-9BC2-DF1539DF3550}"/>
+              </a:ext>
+            </a:extLst>
+          </p:cNvPr>
+          <p:cNvPicPr>
+            <a:picLocks noChangeAspect="1"/>
+          </p:cNvPicPr>
+          <p:nvPr/>
+        </p:nvPicPr>
+        <p:blipFill>
+          <a:blip r:embed="rId3"/>
+          <a:stretch>
+            <a:fillRect/>
+          </a:stretch>
+        </p:blipFill>
+        <p:spPr>
+          <a:xfrm>
+            <a:off x="2975758" y="1025305"/>
+            <a:ext cx="7279782" cy="2747825"/>
+          </a:xfrm>
+          <a:prstGeom prst="rect">
+            <a:avLst/>
+          </a:prstGeom>
+        </p:spPr>
+      </p:pic>
+      <p:pic>
+        <p:nvPicPr>
+          <p:cNvPr id="11" name="Image 10">
+            <a:extLst>
+              <a:ext uri="{FF2B5EF4-FFF2-40B4-BE49-F238E27FC236}">
+                <a16:creationId xmlns:a16="http://schemas.microsoft.com/office/drawing/2014/main" id="{DAF68020-3648-A505-8356-C0E256589242}"/>
+              </a:ext>
+            </a:extLst>
+          </p:cNvPr>
+          <p:cNvPicPr>
+            <a:picLocks noChangeAspect="1"/>
+          </p:cNvPicPr>
+          <p:nvPr/>
+        </p:nvPicPr>
+        <p:blipFill>
+          <a:blip r:embed="rId4"/>
+          <a:stretch>
+            <a:fillRect/>
+          </a:stretch>
+        </p:blipFill>
+        <p:spPr>
+          <a:xfrm>
+            <a:off x="2975757" y="3700537"/>
+            <a:ext cx="7279783" cy="2736327"/>
+          </a:xfrm>
+          <a:prstGeom prst="rect">
+            <a:avLst/>
+          </a:prstGeom>
+        </p:spPr>
+      </p:pic>
+    </p:spTree>
+    <p:extLst>
+      <p:ext uri="{BB962C8B-B14F-4D97-AF65-F5344CB8AC3E}">
+        <p14:creationId xmlns:p14="http://schemas.microsoft.com/office/powerpoint/2010/main" val="392551923"/>
+      </p:ext>
+    </p:extLst>
+  </p:cSld>
+  <p:clrMapOvr>
+    <a:masterClrMapping/>
+  </p:clrMapOvr>
+</p:sld>
+</file>
+
 <file path=ppt/slides/slide2.xml><?xml version="1.0" encoding="utf-8"?>
 <p:sld xmlns:a="http://schemas.openxmlformats.org/drawingml/2006/main" xmlns:r="http://schemas.openxmlformats.org/officeDocument/2006/relationships" xmlns:p="http://schemas.openxmlformats.org/presentationml/2006/main">
   <p:cSld>
@@ -9045,6 +10293,222 @@
     <p:extLst>
       <p:ext uri="{BB962C8B-B14F-4D97-AF65-F5344CB8AC3E}">
         <p14:creationId xmlns:p14="http://schemas.microsoft.com/office/powerpoint/2010/main" val="2965288437"/>
+      </p:ext>
+    </p:extLst>
+  </p:cSld>
+  <p:clrMapOvr>
+    <a:masterClrMapping/>
+  </p:clrMapOvr>
+</p:sld>
+</file>
+
+<file path=ppt/slides/slide20.xml><?xml version="1.0" encoding="utf-8"?>
+<p:sld xmlns:a="http://schemas.openxmlformats.org/drawingml/2006/main" xmlns:r="http://schemas.openxmlformats.org/officeDocument/2006/relationships" xmlns:p="http://schemas.openxmlformats.org/presentationml/2006/main">
+  <p:cSld>
+    <p:spTree>
+      <p:nvGrpSpPr>
+        <p:cNvPr id="1" name="">
+          <a:extLst>
+            <a:ext uri="{FF2B5EF4-FFF2-40B4-BE49-F238E27FC236}">
+              <a16:creationId xmlns:a16="http://schemas.microsoft.com/office/drawing/2014/main" id="{1A7C8A40-A2C8-20C6-4E8D-284AE8B4F28C}"/>
+            </a:ext>
+          </a:extLst>
+        </p:cNvPr>
+        <p:cNvGrpSpPr/>
+        <p:nvPr/>
+      </p:nvGrpSpPr>
+      <p:grpSpPr>
+        <a:xfrm>
+          <a:off x="0" y="0"/>
+          <a:ext cx="0" cy="0"/>
+          <a:chOff x="0" y="0"/>
+          <a:chExt cx="0" cy="0"/>
+        </a:xfrm>
+      </p:grpSpPr>
+      <p:sp>
+        <p:nvSpPr>
+          <p:cNvPr id="2" name="Titel 1">
+            <a:extLst>
+              <a:ext uri="{FF2B5EF4-FFF2-40B4-BE49-F238E27FC236}">
+                <a16:creationId xmlns:a16="http://schemas.microsoft.com/office/drawing/2014/main" id="{72CC2D9D-8B6F-39A7-3584-511503A6907C}"/>
+              </a:ext>
+            </a:extLst>
+          </p:cNvPr>
+          <p:cNvSpPr>
+            <a:spLocks noGrp="1"/>
+          </p:cNvSpPr>
+          <p:nvPr>
+            <p:ph type="title"/>
+          </p:nvPr>
+        </p:nvSpPr>
+        <p:spPr>
+          <a:xfrm>
+            <a:off x="1245318" y="345553"/>
+            <a:ext cx="9191292" cy="765760"/>
+          </a:xfrm>
+        </p:spPr>
+        <p:txBody>
+          <a:bodyPr rtlCol="0">
+            <a:normAutofit/>
+          </a:bodyPr>
+          <a:lstStyle>
+            <a:defPPr>
+              <a:defRPr lang="de-DE"/>
+            </a:defPPr>
+          </a:lstStyle>
+          <a:p>
+            <a:pPr rtl="0"/>
+            <a:r>
+              <a:rPr lang="fr-FR" sz="3200" dirty="0"/>
+              <a:t>Market Timing : Stratégie Momentum</a:t>
+            </a:r>
+            <a:endParaRPr lang="fr-FR" sz="3200" noProof="0" dirty="0"/>
+          </a:p>
+        </p:txBody>
+      </p:sp>
+      <p:sp>
+        <p:nvSpPr>
+          <p:cNvPr id="4" name="Foliennummernplatzhalter 3">
+            <a:extLst>
+              <a:ext uri="{FF2B5EF4-FFF2-40B4-BE49-F238E27FC236}">
+                <a16:creationId xmlns:a16="http://schemas.microsoft.com/office/drawing/2014/main" id="{8D275C62-E44D-8245-783B-C91E30F9053F}"/>
+              </a:ext>
+            </a:extLst>
+          </p:cNvPr>
+          <p:cNvSpPr>
+            <a:spLocks noGrp="1"/>
+          </p:cNvSpPr>
+          <p:nvPr>
+            <p:ph type="sldNum" sz="quarter" idx="15"/>
+          </p:nvPr>
+        </p:nvSpPr>
+        <p:spPr/>
+        <p:txBody>
+          <a:bodyPr rtlCol="0"/>
+          <a:lstStyle>
+            <a:defPPr>
+              <a:defRPr lang="de-DE"/>
+            </a:defPPr>
+          </a:lstStyle>
+          <a:p>
+            <a:pPr rtl="0"/>
+            <a:fld id="{18D65601-5AE2-46FC-B138-694DDD2B510D}" type="slidenum">
+              <a:rPr lang="fr-FR" noProof="0" smtClean="0"/>
+              <a:pPr rtl="0"/>
+              <a:t>20</a:t>
+            </a:fld>
+            <a:endParaRPr lang="fr-FR" noProof="0" dirty="0"/>
+          </a:p>
+        </p:txBody>
+      </p:sp>
+      <p:pic>
+        <p:nvPicPr>
+          <p:cNvPr id="13" name="Image 12">
+            <a:extLst>
+              <a:ext uri="{FF2B5EF4-FFF2-40B4-BE49-F238E27FC236}">
+                <a16:creationId xmlns:a16="http://schemas.microsoft.com/office/drawing/2014/main" id="{C4F43EBB-010D-B496-6A3C-B37F0A4EED12}"/>
+              </a:ext>
+            </a:extLst>
+          </p:cNvPr>
+          <p:cNvPicPr>
+            <a:picLocks noChangeAspect="1"/>
+          </p:cNvPicPr>
+          <p:nvPr/>
+        </p:nvPicPr>
+        <p:blipFill>
+          <a:blip r:embed="rId3"/>
+          <a:stretch>
+            <a:fillRect/>
+          </a:stretch>
+        </p:blipFill>
+        <p:spPr>
+          <a:xfrm>
+            <a:off x="2920151" y="1387466"/>
+            <a:ext cx="7885778" cy="2714776"/>
+          </a:xfrm>
+          <a:prstGeom prst="rect">
+            <a:avLst/>
+          </a:prstGeom>
+        </p:spPr>
+      </p:pic>
+      <p:sp>
+        <p:nvSpPr>
+          <p:cNvPr id="3" name="Inhaltsplatzhalter 2">
+            <a:extLst>
+              <a:ext uri="{FF2B5EF4-FFF2-40B4-BE49-F238E27FC236}">
+                <a16:creationId xmlns:a16="http://schemas.microsoft.com/office/drawing/2014/main" id="{6AD27BC8-B7F9-BB35-8E85-E5902DEBC5CF}"/>
+              </a:ext>
+            </a:extLst>
+          </p:cNvPr>
+          <p:cNvSpPr>
+            <a:spLocks noGrp="1"/>
+          </p:cNvSpPr>
+          <p:nvPr>
+            <p:ph sz="quarter" idx="12"/>
+          </p:nvPr>
+        </p:nvSpPr>
+        <p:spPr>
+          <a:xfrm>
+            <a:off x="2935240" y="4378395"/>
+            <a:ext cx="7885778" cy="887239"/>
+          </a:xfrm>
+        </p:spPr>
+        <p:txBody>
+          <a:bodyPr rtlCol="0">
+            <a:normAutofit/>
+          </a:bodyPr>
+          <a:lstStyle>
+            <a:defPPr>
+              <a:defRPr lang="de-DE"/>
+            </a:defPPr>
+          </a:lstStyle>
+          <a:p>
+            <a:pPr algn="ctr" rtl="0">
+              <a:buFont typeface="Wingdings" panose="05000000000000000000" pitchFamily="2" charset="2"/>
+              <a:buChar char="è"/>
+            </a:pPr>
+            <a:r>
+              <a:rPr lang="fr-FR" sz="1800" dirty="0"/>
+              <a:t>Approche validée : le </a:t>
+            </a:r>
+            <a:r>
+              <a:rPr lang="fr-FR" sz="1800" dirty="0" err="1"/>
+              <a:t>momentum</a:t>
+            </a:r>
+            <a:r>
+              <a:rPr lang="fr-FR" sz="1800" dirty="0"/>
+              <a:t> permet de surperformer</a:t>
+            </a:r>
+          </a:p>
+          <a:p>
+            <a:pPr algn="ctr" rtl="0">
+              <a:buFont typeface="Wingdings" panose="05000000000000000000" pitchFamily="2" charset="2"/>
+              <a:buChar char="è"/>
+            </a:pPr>
+            <a:r>
+              <a:rPr lang="fr-FR" sz="1800" dirty="0"/>
+              <a:t>Next </a:t>
+            </a:r>
+            <a:r>
+              <a:rPr lang="fr-FR" sz="1800" dirty="0" err="1"/>
+              <a:t>step</a:t>
+            </a:r>
+            <a:r>
+              <a:rPr lang="fr-FR" sz="1800" dirty="0"/>
+              <a:t> : implémenter un tilt de l’allocation macro avec Black-</a:t>
+            </a:r>
+            <a:r>
+              <a:rPr lang="fr-FR" sz="1800" dirty="0" err="1"/>
+              <a:t>Litterman</a:t>
+            </a:r>
+            <a:endParaRPr lang="fr-FR" sz="1800" noProof="0" dirty="0"/>
+          </a:p>
+        </p:txBody>
+      </p:sp>
+    </p:spTree>
+    <p:extLst>
+      <p:ext uri="{BB962C8B-B14F-4D97-AF65-F5344CB8AC3E}">
+        <p14:creationId xmlns:p14="http://schemas.microsoft.com/office/powerpoint/2010/main" val="602817203"/>
       </p:ext>
     </p:extLst>
   </p:cSld>
@@ -11781,35 +13245,6 @@
 </file>
 
 <file path=customXml/item1.xml><?xml version="1.0" encoding="utf-8"?>
-<?mso-contentType ?>
-<FormTemplates xmlns="http://schemas.microsoft.com/sharepoint/v3/contenttype/forms">
-  <Display>DocumentLibraryForm</Display>
-  <Edit>DocumentLibraryForm</Edit>
-  <New>DocumentLibraryForm</New>
-</FormTemplates>
-</file>
-
-<file path=customXml/item2.xml><?xml version="1.0" encoding="utf-8"?>
-<p:properties xmlns:p="http://schemas.microsoft.com/office/2006/metadata/properties" xmlns:xsi="http://www.w3.org/2001/XMLSchema-instance" xmlns:pc="http://schemas.microsoft.com/office/infopath/2007/PartnerControls">
-  <documentManagement>
-    <_ip_UnifiedCompliancePolicyUIAction xmlns="http://schemas.microsoft.com/sharepoint/v3" xsi:nil="true"/>
-    <Image xmlns="71af3243-3dd4-4a8d-8c0d-dd76da1f02a5">
-      <Url xsi:nil="true"/>
-      <Description xsi:nil="true"/>
-    </Image>
-    <Status xmlns="71af3243-3dd4-4a8d-8c0d-dd76da1f02a5">Not started</Status>
-    <Background xmlns="71af3243-3dd4-4a8d-8c0d-dd76da1f02a5">false</Background>
-    <_ip_UnifiedCompliancePolicyProperties xmlns="http://schemas.microsoft.com/sharepoint/v3" xsi:nil="true"/>
-    <ImageTagsTaxHTField xmlns="71af3243-3dd4-4a8d-8c0d-dd76da1f02a5">
-      <Terms xmlns="http://schemas.microsoft.com/office/infopath/2007/PartnerControls"/>
-    </ImageTagsTaxHTField>
-    <TaxCatchAll xmlns="230e9df3-be65-4c73-a93b-d1236ebd677e" xsi:nil="true"/>
-    <MediaServiceKeyPoints xmlns="71af3243-3dd4-4a8d-8c0d-dd76da1f02a5" xsi:nil="true"/>
-  </documentManagement>
-</p:properties>
-</file>
-
-<file path=customXml/item3.xml><?xml version="1.0" encoding="utf-8"?>
 <ct:contentTypeSchema xmlns:ct="http://schemas.microsoft.com/office/2006/metadata/contentType" xmlns:ma="http://schemas.microsoft.com/office/2006/metadata/properties/metaAttributes" ct:_="" ma:_="" ma:contentTypeName="Document" ma:contentTypeID="0x01010079F111ED35F8CC479449609E8A0923A6" ma:contentTypeVersion="28" ma:contentTypeDescription="Create a new document." ma:contentTypeScope="" ma:versionID="60f5a4f2d2b0abadcf532d48ebf9cb71">
   <xsd:schema xmlns:xsd="http://www.w3.org/2001/XMLSchema" xmlns:xs="http://www.w3.org/2001/XMLSchema" xmlns:p="http://schemas.microsoft.com/office/2006/metadata/properties" xmlns:ns1="http://schemas.microsoft.com/sharepoint/v3" xmlns:ns2="71af3243-3dd4-4a8d-8c0d-dd76da1f02a5" xmlns:ns3="16c05727-aa75-4e4a-9b5f-8a80a1165891" xmlns:ns4="230e9df3-be65-4c73-a93b-d1236ebd677e" targetNamespace="http://schemas.microsoft.com/office/2006/metadata/properties" ma:root="true" ma:fieldsID="7dd78129e6a1811f84807ad11c651531" ns1:_="" ns2:_="" ns3:_="" ns4:_="">
     <xsd:import namespace="http://schemas.microsoft.com/sharepoint/v3"/>
@@ -12121,27 +13556,36 @@
 </ct:contentTypeSchema>
 </file>
 
-<file path=customXml/itemProps1.xml><?xml version="1.0" encoding="utf-8"?>
-<ds:datastoreItem xmlns:ds="http://schemas.openxmlformats.org/officeDocument/2006/customXml" ds:itemID="{6DE3707C-8CAB-4302-B7E1-D32E1543E05C}">
-  <ds:schemaRefs>
-    <ds:schemaRef ds:uri="http://schemas.microsoft.com/sharepoint/v3/contenttype/forms"/>
-  </ds:schemaRefs>
-</ds:datastoreItem>
+<file path=customXml/item2.xml><?xml version="1.0" encoding="utf-8"?>
+<p:properties xmlns:p="http://schemas.microsoft.com/office/2006/metadata/properties" xmlns:xsi="http://www.w3.org/2001/XMLSchema-instance" xmlns:pc="http://schemas.microsoft.com/office/infopath/2007/PartnerControls">
+  <documentManagement>
+    <_ip_UnifiedCompliancePolicyUIAction xmlns="http://schemas.microsoft.com/sharepoint/v3" xsi:nil="true"/>
+    <Image xmlns="71af3243-3dd4-4a8d-8c0d-dd76da1f02a5">
+      <Url xsi:nil="true"/>
+      <Description xsi:nil="true"/>
+    </Image>
+    <Status xmlns="71af3243-3dd4-4a8d-8c0d-dd76da1f02a5">Not started</Status>
+    <Background xmlns="71af3243-3dd4-4a8d-8c0d-dd76da1f02a5">false</Background>
+    <_ip_UnifiedCompliancePolicyProperties xmlns="http://schemas.microsoft.com/sharepoint/v3" xsi:nil="true"/>
+    <ImageTagsTaxHTField xmlns="71af3243-3dd4-4a8d-8c0d-dd76da1f02a5">
+      <Terms xmlns="http://schemas.microsoft.com/office/infopath/2007/PartnerControls"/>
+    </ImageTagsTaxHTField>
+    <TaxCatchAll xmlns="230e9df3-be65-4c73-a93b-d1236ebd677e" xsi:nil="true"/>
+    <MediaServiceKeyPoints xmlns="71af3243-3dd4-4a8d-8c0d-dd76da1f02a5" xsi:nil="true"/>
+  </documentManagement>
+</p:properties>
 </file>
 
-<file path=customXml/itemProps2.xml><?xml version="1.0" encoding="utf-8"?>
-<ds:datastoreItem xmlns:ds="http://schemas.openxmlformats.org/officeDocument/2006/customXml" ds:itemID="{3FDB7358-0BCB-4DEB-B717-C1D7CC555F05}">
-  <ds:schemaRefs>
-    <ds:schemaRef ds:uri="http://schemas.microsoft.com/office/2006/metadata/properties"/>
-    <ds:schemaRef ds:uri="http://schemas.microsoft.com/office/infopath/2007/PartnerControls"/>
-    <ds:schemaRef ds:uri="http://schemas.microsoft.com/sharepoint/v3"/>
-    <ds:schemaRef ds:uri="71af3243-3dd4-4a8d-8c0d-dd76da1f02a5"/>
-    <ds:schemaRef ds:uri="230e9df3-be65-4c73-a93b-d1236ebd677e"/>
-  </ds:schemaRefs>
-</ds:datastoreItem>
+<file path=customXml/item3.xml><?xml version="1.0" encoding="utf-8"?>
+<?mso-contentType ?>
+<FormTemplates xmlns="http://schemas.microsoft.com/sharepoint/v3/contenttype/forms">
+  <Display>DocumentLibraryForm</Display>
+  <Edit>DocumentLibraryForm</Edit>
+  <New>DocumentLibraryForm</New>
+</FormTemplates>
 </file>
 
-<file path=customXml/itemProps3.xml><?xml version="1.0" encoding="utf-8"?>
+<file path=customXml/itemProps1.xml><?xml version="1.0" encoding="utf-8"?>
 <ds:datastoreItem xmlns:ds="http://schemas.openxmlformats.org/officeDocument/2006/customXml" ds:itemID="{B69E9DE5-EFFE-4262-A023-32732F0B666C}">
   <ds:schemaRefs>
     <ds:schemaRef ds:uri="http://schemas.microsoft.com/office/2006/metadata/contentType"/>
@@ -12162,6 +13606,26 @@
 </ds:datastoreItem>
 </file>
 
+<file path=customXml/itemProps2.xml><?xml version="1.0" encoding="utf-8"?>
+<ds:datastoreItem xmlns:ds="http://schemas.openxmlformats.org/officeDocument/2006/customXml" ds:itemID="{3FDB7358-0BCB-4DEB-B717-C1D7CC555F05}">
+  <ds:schemaRefs>
+    <ds:schemaRef ds:uri="http://schemas.microsoft.com/office/2006/metadata/properties"/>
+    <ds:schemaRef ds:uri="http://schemas.microsoft.com/office/infopath/2007/PartnerControls"/>
+    <ds:schemaRef ds:uri="http://schemas.microsoft.com/sharepoint/v3"/>
+    <ds:schemaRef ds:uri="71af3243-3dd4-4a8d-8c0d-dd76da1f02a5"/>
+    <ds:schemaRef ds:uri="230e9df3-be65-4c73-a93b-d1236ebd677e"/>
+  </ds:schemaRefs>
+</ds:datastoreItem>
+</file>
+
+<file path=customXml/itemProps3.xml><?xml version="1.0" encoding="utf-8"?>
+<ds:datastoreItem xmlns:ds="http://schemas.openxmlformats.org/officeDocument/2006/customXml" ds:itemID="{6DE3707C-8CAB-4302-B7E1-D32E1543E05C}">
+  <ds:schemaRefs>
+    <ds:schemaRef ds:uri="http://schemas.microsoft.com/sharepoint/v3/contenttype/forms"/>
+  </ds:schemaRefs>
+</ds:datastoreItem>
+</file>
+
 <file path=docMetadata/LabelInfo.xml><?xml version="1.0" encoding="utf-8"?>
 <clbl:labelList xmlns:clbl="http://schemas.microsoft.com/office/2020/mipLabelMetadata"/>
 </file>